--- a/Crypto Trend Group Project.pptx
+++ b/Crypto Trend Group Project.pptx
@@ -12,8 +12,9 @@
     <p:sldId id="260" r:id="rId6"/>
     <p:sldId id="261" r:id="rId7"/>
     <p:sldId id="264" r:id="rId8"/>
-    <p:sldId id="262" r:id="rId9"/>
-    <p:sldId id="263" r:id="rId10"/>
+    <p:sldId id="266" r:id="rId9"/>
+    <p:sldId id="262" r:id="rId10"/>
+    <p:sldId id="263" r:id="rId11"/>
   </p:sldIdLst>
   <p:sldSz cx="12192000" cy="6858000"/>
   <p:notesSz cx="6858000" cy="9144000"/>
@@ -112,6 +113,11 @@
       </a:defRPr>
     </a:lvl9pPr>
   </p:defaultTextStyle>
+  <p:extLst>
+    <p:ext uri="{EFAFB233-063F-42B5-8137-9DF3F51BA10A}">
+      <p15:sldGuideLst xmlns:p15="http://schemas.microsoft.com/office/powerpoint/2012/main"/>
+    </p:ext>
+  </p:extLst>
 </p:presentation>
 </file>
 
@@ -344,7 +350,7 @@
           <a:p>
             <a:fld id="{221664B9-703B-9747-A4ED-FDEA8EDA7AFF}" type="datetimeFigureOut">
               <a:rPr lang="en-US" smtClean="0"/>
-              <a:t>10/30/21</a:t>
+              <a:t>11/3/21</a:t>
             </a:fld>
             <a:endParaRPr lang="en-US"/>
           </a:p>
@@ -678,7 +684,7 @@
           <a:p>
             <a:fld id="{221664B9-703B-9747-A4ED-FDEA8EDA7AFF}" type="datetimeFigureOut">
               <a:rPr lang="en-US" smtClean="0"/>
-              <a:t>10/30/21</a:t>
+              <a:t>11/3/21</a:t>
             </a:fld>
             <a:endParaRPr lang="en-US"/>
           </a:p>
@@ -956,7 +962,7 @@
           <a:p>
             <a:fld id="{221664B9-703B-9747-A4ED-FDEA8EDA7AFF}" type="datetimeFigureOut">
               <a:rPr lang="en-US" smtClean="0"/>
-              <a:t>10/30/21</a:t>
+              <a:t>11/3/21</a:t>
             </a:fld>
             <a:endParaRPr lang="en-US"/>
           </a:p>
@@ -1524,7 +1530,7 @@
           <a:p>
             <a:fld id="{221664B9-703B-9747-A4ED-FDEA8EDA7AFF}" type="datetimeFigureOut">
               <a:rPr lang="en-US" smtClean="0"/>
-              <a:t>10/30/21</a:t>
+              <a:t>11/3/21</a:t>
             </a:fld>
             <a:endParaRPr lang="en-US"/>
           </a:p>
@@ -1802,7 +1808,7 @@
           <a:p>
             <a:fld id="{221664B9-703B-9747-A4ED-FDEA8EDA7AFF}" type="datetimeFigureOut">
               <a:rPr lang="en-US" smtClean="0"/>
-              <a:t>10/30/21</a:t>
+              <a:t>11/3/21</a:t>
             </a:fld>
             <a:endParaRPr lang="en-US"/>
           </a:p>
@@ -2364,7 +2370,7 @@
           <a:p>
             <a:fld id="{221664B9-703B-9747-A4ED-FDEA8EDA7AFF}" type="datetimeFigureOut">
               <a:rPr lang="en-US" smtClean="0"/>
-              <a:t>10/30/21</a:t>
+              <a:t>11/3/21</a:t>
             </a:fld>
             <a:endParaRPr lang="en-US"/>
           </a:p>
@@ -2691,7 +2697,7 @@
           <a:p>
             <a:fld id="{221664B9-703B-9747-A4ED-FDEA8EDA7AFF}" type="datetimeFigureOut">
               <a:rPr lang="en-US" smtClean="0"/>
-              <a:t>10/30/21</a:t>
+              <a:t>11/3/21</a:t>
             </a:fld>
             <a:endParaRPr lang="en-US"/>
           </a:p>
@@ -2868,7 +2874,7 @@
           <a:p>
             <a:fld id="{221664B9-703B-9747-A4ED-FDEA8EDA7AFF}" type="datetimeFigureOut">
               <a:rPr lang="en-US" smtClean="0"/>
-              <a:t>10/30/21</a:t>
+              <a:t>11/3/21</a:t>
             </a:fld>
             <a:endParaRPr lang="en-US"/>
           </a:p>
@@ -3106,7 +3112,7 @@
           <a:p>
             <a:fld id="{221664B9-703B-9747-A4ED-FDEA8EDA7AFF}" type="datetimeFigureOut">
               <a:rPr lang="en-US" smtClean="0"/>
-              <a:t>10/30/21</a:t>
+              <a:t>11/3/21</a:t>
             </a:fld>
             <a:endParaRPr lang="en-US"/>
           </a:p>
@@ -3306,7 +3312,7 @@
           <a:p>
             <a:fld id="{221664B9-703B-9747-A4ED-FDEA8EDA7AFF}" type="datetimeFigureOut">
               <a:rPr lang="en-US" smtClean="0"/>
-              <a:t>10/30/21</a:t>
+              <a:t>11/3/21</a:t>
             </a:fld>
             <a:endParaRPr lang="en-US"/>
           </a:p>
@@ -3582,7 +3588,7 @@
           <a:p>
             <a:fld id="{221664B9-703B-9747-A4ED-FDEA8EDA7AFF}" type="datetimeFigureOut">
               <a:rPr lang="en-US" smtClean="0"/>
-              <a:t>10/30/21</a:t>
+              <a:t>11/3/21</a:t>
             </a:fld>
             <a:endParaRPr lang="en-US"/>
           </a:p>
@@ -3848,7 +3854,7 @@
           <a:p>
             <a:fld id="{221664B9-703B-9747-A4ED-FDEA8EDA7AFF}" type="datetimeFigureOut">
               <a:rPr lang="en-US" smtClean="0"/>
-              <a:t>10/30/21</a:t>
+              <a:t>11/3/21</a:t>
             </a:fld>
             <a:endParaRPr lang="en-US"/>
           </a:p>
@@ -4222,7 +4228,7 @@
           <a:p>
             <a:fld id="{221664B9-703B-9747-A4ED-FDEA8EDA7AFF}" type="datetimeFigureOut">
               <a:rPr lang="en-US" smtClean="0"/>
-              <a:t>10/30/21</a:t>
+              <a:t>11/3/21</a:t>
             </a:fld>
             <a:endParaRPr lang="en-US"/>
           </a:p>
@@ -4370,7 +4376,7 @@
           <a:p>
             <a:fld id="{221664B9-703B-9747-A4ED-FDEA8EDA7AFF}" type="datetimeFigureOut">
               <a:rPr lang="en-US" smtClean="0"/>
-              <a:t>10/30/21</a:t>
+              <a:t>11/3/21</a:t>
             </a:fld>
             <a:endParaRPr lang="en-US"/>
           </a:p>
@@ -4495,7 +4501,7 @@
           <a:p>
             <a:fld id="{221664B9-703B-9747-A4ED-FDEA8EDA7AFF}" type="datetimeFigureOut">
               <a:rPr lang="en-US" smtClean="0"/>
-              <a:t>10/30/21</a:t>
+              <a:t>11/3/21</a:t>
             </a:fld>
             <a:endParaRPr lang="en-US"/>
           </a:p>
@@ -4780,7 +4786,7 @@
           <a:p>
             <a:fld id="{221664B9-703B-9747-A4ED-FDEA8EDA7AFF}" type="datetimeFigureOut">
               <a:rPr lang="en-US" smtClean="0"/>
-              <a:t>10/30/21</a:t>
+              <a:t>11/3/21</a:t>
             </a:fld>
             <a:endParaRPr lang="en-US"/>
           </a:p>
@@ -5104,7 +5110,7 @@
           <a:p>
             <a:fld id="{221664B9-703B-9747-A4ED-FDEA8EDA7AFF}" type="datetimeFigureOut">
               <a:rPr lang="en-US" smtClean="0"/>
-              <a:t>10/30/21</a:t>
+              <a:t>11/3/21</a:t>
             </a:fld>
             <a:endParaRPr lang="en-US"/>
           </a:p>
@@ -5318,7 +5324,7 @@
           <a:p>
             <a:fld id="{221664B9-703B-9747-A4ED-FDEA8EDA7AFF}" type="datetimeFigureOut">
               <a:rPr lang="en-US" smtClean="0"/>
-              <a:t>10/30/21</a:t>
+              <a:t>11/3/21</a:t>
             </a:fld>
             <a:endParaRPr lang="en-US"/>
           </a:p>
@@ -5946,6 +5952,389 @@
 </p:sld>
 </file>
 
+<file path=ppt/slides/slide10.xml><?xml version="1.0" encoding="utf-8"?>
+<p:sld xmlns:a="http://schemas.openxmlformats.org/drawingml/2006/main" xmlns:r="http://schemas.openxmlformats.org/officeDocument/2006/relationships" xmlns:p="http://schemas.openxmlformats.org/presentationml/2006/main">
+  <p:cSld>
+    <p:spTree>
+      <p:nvGrpSpPr>
+        <p:cNvPr id="1" name=""/>
+        <p:cNvGrpSpPr/>
+        <p:nvPr/>
+      </p:nvGrpSpPr>
+      <p:grpSpPr>
+        <a:xfrm>
+          <a:off x="0" y="0"/>
+          <a:ext cx="0" cy="0"/>
+          <a:chOff x="0" y="0"/>
+          <a:chExt cx="0" cy="0"/>
+        </a:xfrm>
+      </p:grpSpPr>
+      <p:sp>
+        <p:nvSpPr>
+          <p:cNvPr id="2" name="Title 1">
+            <a:extLst>
+              <a:ext uri="{FF2B5EF4-FFF2-40B4-BE49-F238E27FC236}">
+                <a16:creationId xmlns:a16="http://schemas.microsoft.com/office/drawing/2014/main" id="{24E4D3CF-1E13-524F-9574-0C07E6347BE6}"/>
+              </a:ext>
+            </a:extLst>
+          </p:cNvPr>
+          <p:cNvSpPr>
+            <a:spLocks noGrp="1"/>
+          </p:cNvSpPr>
+          <p:nvPr>
+            <p:ph type="title"/>
+          </p:nvPr>
+        </p:nvSpPr>
+        <p:spPr/>
+        <p:txBody>
+          <a:bodyPr/>
+          <a:lstStyle/>
+          <a:p>
+            <a:r>
+              <a:rPr lang="en-US" u="sng" dirty="0"/>
+              <a:t>Resources</a:t>
+            </a:r>
+          </a:p>
+        </p:txBody>
+      </p:sp>
+      <p:sp>
+        <p:nvSpPr>
+          <p:cNvPr id="4" name="Google Shape;4177;p247">
+            <a:extLst>
+              <a:ext uri="{FF2B5EF4-FFF2-40B4-BE49-F238E27FC236}">
+                <a16:creationId xmlns:a16="http://schemas.microsoft.com/office/drawing/2014/main" id="{5DF45426-69BF-E34C-BC75-B67CBD63DCD3}"/>
+              </a:ext>
+            </a:extLst>
+          </p:cNvPr>
+          <p:cNvSpPr txBox="1">
+            <a:spLocks/>
+          </p:cNvSpPr>
+          <p:nvPr/>
+        </p:nvSpPr>
+        <p:spPr>
+          <a:xfrm>
+            <a:off x="133611" y="1428110"/>
+            <a:ext cx="11924778" cy="5007890"/>
+          </a:xfrm>
+          <a:prstGeom prst="rect">
+            <a:avLst/>
+          </a:prstGeom>
+        </p:spPr>
+        <p:txBody>
+          <a:bodyPr spcFirstLastPara="1" vert="horz" wrap="square" lIns="1767833" tIns="0" rIns="609600" bIns="0" rtlCol="0" anchor="ctr" anchorCtr="0">
+            <a:noAutofit/>
+          </a:bodyPr>
+          <a:lstStyle>
+            <a:lvl1pPr marL="228600" indent="-228600" algn="l" defTabSz="914400" rtl="0" eaLnBrk="1" latinLnBrk="0" hangingPunct="1">
+              <a:lnSpc>
+                <a:spcPct val="90000"/>
+              </a:lnSpc>
+              <a:spcBef>
+                <a:spcPts val="1000"/>
+              </a:spcBef>
+              <a:buFont typeface="Arial" panose="020B0604020202020204" pitchFamily="34" charset="0"/>
+              <a:buChar char="•"/>
+              <a:defRPr sz="2800" kern="1200">
+                <a:solidFill>
+                  <a:schemeClr val="tx1"/>
+                </a:solidFill>
+                <a:latin typeface="+mn-lt"/>
+                <a:ea typeface="+mn-ea"/>
+                <a:cs typeface="+mn-cs"/>
+              </a:defRPr>
+            </a:lvl1pPr>
+            <a:lvl2pPr marL="685800" indent="-228600" algn="l" defTabSz="914400" rtl="0" eaLnBrk="1" latinLnBrk="0" hangingPunct="1">
+              <a:lnSpc>
+                <a:spcPct val="90000"/>
+              </a:lnSpc>
+              <a:spcBef>
+                <a:spcPts val="500"/>
+              </a:spcBef>
+              <a:buFont typeface="Arial" panose="020B0604020202020204" pitchFamily="34" charset="0"/>
+              <a:buChar char="•"/>
+              <a:defRPr sz="2400" kern="1200">
+                <a:solidFill>
+                  <a:schemeClr val="tx1"/>
+                </a:solidFill>
+                <a:latin typeface="+mn-lt"/>
+                <a:ea typeface="+mn-ea"/>
+                <a:cs typeface="+mn-cs"/>
+              </a:defRPr>
+            </a:lvl2pPr>
+            <a:lvl3pPr marL="1143000" indent="-228600" algn="l" defTabSz="914400" rtl="0" eaLnBrk="1" latinLnBrk="0" hangingPunct="1">
+              <a:lnSpc>
+                <a:spcPct val="90000"/>
+              </a:lnSpc>
+              <a:spcBef>
+                <a:spcPts val="500"/>
+              </a:spcBef>
+              <a:buFont typeface="Arial" panose="020B0604020202020204" pitchFamily="34" charset="0"/>
+              <a:buChar char="•"/>
+              <a:defRPr sz="2000" kern="1200">
+                <a:solidFill>
+                  <a:schemeClr val="tx1"/>
+                </a:solidFill>
+                <a:latin typeface="+mn-lt"/>
+                <a:ea typeface="+mn-ea"/>
+                <a:cs typeface="+mn-cs"/>
+              </a:defRPr>
+            </a:lvl3pPr>
+            <a:lvl4pPr marL="1600200" indent="-228600" algn="l" defTabSz="914400" rtl="0" eaLnBrk="1" latinLnBrk="0" hangingPunct="1">
+              <a:lnSpc>
+                <a:spcPct val="90000"/>
+              </a:lnSpc>
+              <a:spcBef>
+                <a:spcPts val="500"/>
+              </a:spcBef>
+              <a:buFont typeface="Arial" panose="020B0604020202020204" pitchFamily="34" charset="0"/>
+              <a:buChar char="•"/>
+              <a:defRPr sz="1800" kern="1200">
+                <a:solidFill>
+                  <a:schemeClr val="tx1"/>
+                </a:solidFill>
+                <a:latin typeface="+mn-lt"/>
+                <a:ea typeface="+mn-ea"/>
+                <a:cs typeface="+mn-cs"/>
+              </a:defRPr>
+            </a:lvl4pPr>
+            <a:lvl5pPr marL="2057400" indent="-228600" algn="l" defTabSz="914400" rtl="0" eaLnBrk="1" latinLnBrk="0" hangingPunct="1">
+              <a:lnSpc>
+                <a:spcPct val="90000"/>
+              </a:lnSpc>
+              <a:spcBef>
+                <a:spcPts val="500"/>
+              </a:spcBef>
+              <a:buFont typeface="Arial" panose="020B0604020202020204" pitchFamily="34" charset="0"/>
+              <a:buChar char="•"/>
+              <a:defRPr sz="1800" kern="1200">
+                <a:solidFill>
+                  <a:schemeClr val="tx1"/>
+                </a:solidFill>
+                <a:latin typeface="+mn-lt"/>
+                <a:ea typeface="+mn-ea"/>
+                <a:cs typeface="+mn-cs"/>
+              </a:defRPr>
+            </a:lvl5pPr>
+            <a:lvl6pPr marL="2514600" indent="-228600" algn="l" defTabSz="914400" rtl="0" eaLnBrk="1" latinLnBrk="0" hangingPunct="1">
+              <a:lnSpc>
+                <a:spcPct val="90000"/>
+              </a:lnSpc>
+              <a:spcBef>
+                <a:spcPts val="500"/>
+              </a:spcBef>
+              <a:buFont typeface="Arial" panose="020B0604020202020204" pitchFamily="34" charset="0"/>
+              <a:buChar char="•"/>
+              <a:defRPr sz="1800" kern="1200">
+                <a:solidFill>
+                  <a:schemeClr val="tx1"/>
+                </a:solidFill>
+                <a:latin typeface="+mn-lt"/>
+                <a:ea typeface="+mn-ea"/>
+                <a:cs typeface="+mn-cs"/>
+              </a:defRPr>
+            </a:lvl6pPr>
+            <a:lvl7pPr marL="2971800" indent="-228600" algn="l" defTabSz="914400" rtl="0" eaLnBrk="1" latinLnBrk="0" hangingPunct="1">
+              <a:lnSpc>
+                <a:spcPct val="90000"/>
+              </a:lnSpc>
+              <a:spcBef>
+                <a:spcPts val="500"/>
+              </a:spcBef>
+              <a:buFont typeface="Arial" panose="020B0604020202020204" pitchFamily="34" charset="0"/>
+              <a:buChar char="•"/>
+              <a:defRPr sz="1800" kern="1200">
+                <a:solidFill>
+                  <a:schemeClr val="tx1"/>
+                </a:solidFill>
+                <a:latin typeface="+mn-lt"/>
+                <a:ea typeface="+mn-ea"/>
+                <a:cs typeface="+mn-cs"/>
+              </a:defRPr>
+            </a:lvl7pPr>
+            <a:lvl8pPr marL="3429000" indent="-228600" algn="l" defTabSz="914400" rtl="0" eaLnBrk="1" latinLnBrk="0" hangingPunct="1">
+              <a:lnSpc>
+                <a:spcPct val="90000"/>
+              </a:lnSpc>
+              <a:spcBef>
+                <a:spcPts val="500"/>
+              </a:spcBef>
+              <a:buFont typeface="Arial" panose="020B0604020202020204" pitchFamily="34" charset="0"/>
+              <a:buChar char="•"/>
+              <a:defRPr sz="1800" kern="1200">
+                <a:solidFill>
+                  <a:schemeClr val="tx1"/>
+                </a:solidFill>
+                <a:latin typeface="+mn-lt"/>
+                <a:ea typeface="+mn-ea"/>
+                <a:cs typeface="+mn-cs"/>
+              </a:defRPr>
+            </a:lvl8pPr>
+            <a:lvl9pPr marL="3886200" indent="-228600" algn="l" defTabSz="914400" rtl="0" eaLnBrk="1" latinLnBrk="0" hangingPunct="1">
+              <a:lnSpc>
+                <a:spcPct val="90000"/>
+              </a:lnSpc>
+              <a:spcBef>
+                <a:spcPts val="500"/>
+              </a:spcBef>
+              <a:buFont typeface="Arial" panose="020B0604020202020204" pitchFamily="34" charset="0"/>
+              <a:buChar char="•"/>
+              <a:defRPr sz="1800" kern="1200">
+                <a:solidFill>
+                  <a:schemeClr val="tx1"/>
+                </a:solidFill>
+                <a:latin typeface="+mn-lt"/>
+                <a:ea typeface="+mn-ea"/>
+                <a:cs typeface="+mn-cs"/>
+              </a:defRPr>
+            </a:lvl9pPr>
+          </a:lstStyle>
+          <a:p>
+            <a:pPr marL="0" indent="0">
+              <a:lnSpc>
+                <a:spcPct val="100000"/>
+              </a:lnSpc>
+              <a:spcAft>
+                <a:spcPts val="2133"/>
+              </a:spcAft>
+            </a:pPr>
+            <a:r>
+              <a:rPr lang="en-US" sz="2400" dirty="0"/>
+              <a:t> Weather Data</a:t>
+            </a:r>
+            <a:br>
+              <a:rPr lang="en-US" sz="2400" dirty="0"/>
+            </a:br>
+            <a:r>
+              <a:rPr lang="en-US" sz="2400" dirty="0"/>
+              <a:t>	</a:t>
+            </a:r>
+            <a:r>
+              <a:rPr lang="en-US" sz="2000" dirty="0">
+                <a:hlinkClick r:id="rId2"/>
+              </a:rPr>
+              <a:t>https://www.worldweatheronline.com/</a:t>
+            </a:r>
+            <a:r>
+              <a:rPr lang="en-US" sz="2000" dirty="0"/>
+              <a:t>  </a:t>
+            </a:r>
+          </a:p>
+          <a:p>
+            <a:pPr marL="0" indent="0">
+              <a:lnSpc>
+                <a:spcPct val="100000"/>
+              </a:lnSpc>
+              <a:spcAft>
+                <a:spcPts val="2133"/>
+              </a:spcAft>
+            </a:pPr>
+            <a:r>
+              <a:rPr lang="en-US" i="1" dirty="0"/>
+              <a:t> </a:t>
+            </a:r>
+            <a:r>
+              <a:rPr lang="en-US" sz="2400" i="1" dirty="0"/>
+              <a:t>The Top 5 Largest Mining Operations in the World </a:t>
+            </a:r>
+            <a:r>
+              <a:rPr lang="en-US" i="1" dirty="0"/>
+              <a:t>	</a:t>
+            </a:r>
+            <a:r>
+              <a:rPr lang="en-US" sz="2000" dirty="0">
+                <a:hlinkClick r:id="rId3"/>
+              </a:rPr>
+              <a:t>https://thebitcoinnews.com/the-top-5-largest-mining-operations-in-the-world/</a:t>
+            </a:r>
+            <a:r>
+              <a:rPr lang="en-US" sz="2000" dirty="0"/>
+              <a:t> </a:t>
+            </a:r>
+          </a:p>
+          <a:p>
+            <a:pPr marL="0" indent="0">
+              <a:lnSpc>
+                <a:spcPct val="100000"/>
+              </a:lnSpc>
+              <a:spcAft>
+                <a:spcPts val="2133"/>
+              </a:spcAft>
+            </a:pPr>
+            <a:r>
+              <a:rPr lang="en-US" sz="2400" u="sng" dirty="0"/>
+              <a:t>Kaggle</a:t>
+            </a:r>
+            <a:r>
+              <a:rPr lang="en-US" sz="2400" dirty="0"/>
+              <a:t> </a:t>
+            </a:r>
+            <a:r>
+              <a:rPr lang="en-US" dirty="0"/>
+              <a:t>- </a:t>
+            </a:r>
+            <a:r>
+              <a:rPr lang="en-US" sz="2000" dirty="0">
+                <a:hlinkClick r:id="rId4"/>
+              </a:rPr>
+              <a:t>https://www.kaggle.com/</a:t>
+            </a:r>
+            <a:endParaRPr lang="en-US" sz="2000" dirty="0"/>
+          </a:p>
+          <a:p>
+            <a:pPr marL="457200" lvl="1" indent="0">
+              <a:lnSpc>
+                <a:spcPct val="100000"/>
+              </a:lnSpc>
+              <a:spcAft>
+                <a:spcPts val="2133"/>
+              </a:spcAft>
+            </a:pPr>
+            <a:r>
+              <a:rPr lang="en-US" sz="2000" u="sng" dirty="0">
+                <a:hlinkClick r:id="rId5"/>
+              </a:rPr>
+              <a:t>https://www.kaggle.com/odins0n/top-50-cryptocurrency-historical-prices</a:t>
+            </a:r>
+            <a:endParaRPr lang="en-US" sz="2000" dirty="0"/>
+          </a:p>
+          <a:p>
+            <a:pPr marL="457200" lvl="1" indent="0">
+              <a:lnSpc>
+                <a:spcPct val="100000"/>
+              </a:lnSpc>
+              <a:spcAft>
+                <a:spcPts val="2133"/>
+              </a:spcAft>
+            </a:pPr>
+            <a:r>
+              <a:rPr lang="en-US" sz="2000" u="sng" dirty="0">
+                <a:hlinkClick r:id="rId6"/>
+              </a:rPr>
+              <a:t> </a:t>
+            </a:r>
+            <a:r>
+              <a:rPr lang="en-US" sz="2000" u="sng" dirty="0">
+                <a:hlinkClick r:id="rId6"/>
+              </a:rPr>
+              <a:t>https://www.kaggle.com/kaushiksuresh147/bitcoin-tweets</a:t>
+            </a:r>
+            <a:endParaRPr lang="en-US" sz="2000" u="sng" dirty="0"/>
+          </a:p>
+        </p:txBody>
+      </p:sp>
+    </p:spTree>
+    <p:extLst>
+      <p:ext uri="{BB962C8B-B14F-4D97-AF65-F5344CB8AC3E}">
+        <p14:creationId xmlns:p14="http://schemas.microsoft.com/office/powerpoint/2010/main" val="119837205"/>
+      </p:ext>
+    </p:extLst>
+  </p:cSld>
+  <p:clrMapOvr>
+    <a:masterClrMapping/>
+  </p:clrMapOvr>
+</p:sld>
+</file>
+
 <file path=ppt/slides/slide2.xml><?xml version="1.0" encoding="utf-8"?>
 <p:sld xmlns:a="http://schemas.openxmlformats.org/drawingml/2006/main" xmlns:r="http://schemas.openxmlformats.org/officeDocument/2006/relationships" xmlns:p="http://schemas.openxmlformats.org/presentationml/2006/main">
   <p:cSld>
@@ -6503,19 +6892,23 @@
         </p:nvSpPr>
         <p:spPr>
           <a:xfrm>
-            <a:off x="685801" y="334028"/>
+            <a:off x="685800" y="222977"/>
             <a:ext cx="10131425" cy="1456267"/>
           </a:xfrm>
         </p:spPr>
         <p:txBody>
           <a:bodyPr>
-            <a:normAutofit/>
+            <a:normAutofit fontScale="90000"/>
           </a:bodyPr>
           <a:lstStyle/>
           <a:p>
             <a:r>
               <a:rPr lang="en-US" u="sng" dirty="0"/>
-              <a:t>Conclusions including a numerical summary and visualizations of the summary</a:t>
+              <a:t>Conclusions including a numerical summary and visualizations of the summary: </a:t>
+            </a:r>
+            <a:r>
+              <a:rPr lang="en-US" b="1" u="sng" dirty="0"/>
+              <a:t>NVIDIA GPUs</a:t>
             </a:r>
           </a:p>
         </p:txBody>
@@ -6879,14 +7272,20 @@
         </p:nvSpPr>
         <p:spPr/>
         <p:txBody>
-          <a:bodyPr/>
+          <a:bodyPr>
+            <a:normAutofit fontScale="90000"/>
+          </a:bodyPr>
           <a:lstStyle/>
           <a:p>
             <a:r>
               <a:rPr lang="en-US" u="sng" dirty="0"/>
-              <a:t>Conclusions including a numerical summary and visualizations of the summary</a:t>
-            </a:r>
-            <a:endParaRPr lang="en-US" dirty="0"/>
+              <a:t>Conclusions including a numerical summary and visualizations of the summary: </a:t>
+            </a:r>
+            <a:r>
+              <a:rPr lang="en-US" b="1" u="sng" dirty="0"/>
+              <a:t>Data Centers</a:t>
+            </a:r>
+            <a:endParaRPr lang="en-US" b="1" dirty="0"/>
           </a:p>
         </p:txBody>
       </p:sp>
@@ -6919,33 +7318,24 @@
           <a:lstStyle/>
           <a:p>
             <a:r>
-              <a:rPr lang="en-US" strike="sngStrike" dirty="0"/>
-              <a:t>Strong positive correlation</a:t>
-            </a:r>
-          </a:p>
-          <a:p>
-            <a:r>
-              <a:rPr lang="en-US" strike="sngStrike" dirty="0"/>
-              <a:t>Moderately positive correlation between Bitcoin and Gas Prices during the same time frame</a:t>
-            </a:r>
-          </a:p>
-          <a:p>
-            <a:endParaRPr lang="en-US" strike="sngStrike" dirty="0"/>
-          </a:p>
-          <a:p>
-            <a:endParaRPr lang="en-US" strike="sngStrike" dirty="0"/>
-          </a:p>
-          <a:p>
-            <a:r>
-              <a:rPr lang="en-US" strike="sngStrike" dirty="0"/>
-              <a:t>Hydroelectric energy off-put required to maintain and run these mass crypto mining warehouses is greatly affecting how much energy is therefore needed to heatsink their output </a:t>
-            </a:r>
-          </a:p>
-          <a:p>
-            <a:pPr lvl="1"/>
-            <a:r>
-              <a:rPr lang="en-US" strike="sngStrike" dirty="0"/>
-              <a:t>Affect on surrounding temperatures? </a:t>
+              <a:rPr lang="en-US" dirty="0"/>
+              <a:t>These countries, and regional areas are being incentivized from an economic perspective to house and run these massive data mining centers (as with the case in Iceland, this business represents 1% of their GDP), but it’s to the detriment of their own microclimates. As, these data centers now account for more electricity use than all of Iceland’s homes combined.</a:t>
+            </a:r>
+          </a:p>
+          <a:p>
+            <a:r>
+              <a:rPr lang="en-US" dirty="0"/>
+              <a:t>According to local experts cited by </a:t>
+            </a:r>
+            <a:r>
+              <a:rPr lang="en-US" i="1" u="sng" dirty="0">
+                <a:hlinkClick r:id="rId2"/>
+              </a:rPr>
+              <a:t>The Wall Street Journal</a:t>
+            </a:r>
+            <a:r>
+              <a:rPr lang="en-US" dirty="0"/>
+              <a:t>, keeping up with demand for electricity requires building more dams and power stations that could alter Iceland’s unique, sensitive environment.</a:t>
             </a:r>
           </a:p>
         </p:txBody>
@@ -6985,7 +7375,7 @@
           <p:cNvPr id="2" name="Title 1">
             <a:extLst>
               <a:ext uri="{FF2B5EF4-FFF2-40B4-BE49-F238E27FC236}">
-                <a16:creationId xmlns:a16="http://schemas.microsoft.com/office/drawing/2014/main" id="{336CD33D-14DA-6044-AA72-F4D991E722A0}"/>
+                <a16:creationId xmlns:a16="http://schemas.microsoft.com/office/drawing/2014/main" id="{1C975BCC-6769-9040-BDA1-7BF547107384}"/>
               </a:ext>
             </a:extLst>
           </p:cNvPr>
@@ -7005,8 +7395,13 @@
           <a:p>
             <a:r>
               <a:rPr lang="en-US" u="sng" dirty="0"/>
-              <a:t>The implications of our findings: What do our findings mean?</a:t>
-            </a:r>
+              <a:t>Conclusions including a numerical summary and visualizations of the summary: </a:t>
+            </a:r>
+            <a:r>
+              <a:rPr lang="en-US" b="1" u="sng" dirty="0"/>
+              <a:t>Gas Prices</a:t>
+            </a:r>
+            <a:endParaRPr lang="en-US" b="1" dirty="0"/>
           </a:p>
         </p:txBody>
       </p:sp>
@@ -7015,7 +7410,7 @@
           <p:cNvPr id="3" name="Content Placeholder 2">
             <a:extLst>
               <a:ext uri="{FF2B5EF4-FFF2-40B4-BE49-F238E27FC236}">
-                <a16:creationId xmlns:a16="http://schemas.microsoft.com/office/drawing/2014/main" id="{B3DB14F1-AF80-8D4A-81A7-E132EE8D39B5}"/>
+                <a16:creationId xmlns:a16="http://schemas.microsoft.com/office/drawing/2014/main" id="{E197DE15-6182-4B4D-A8EF-F81ADF84C95D}"/>
               </a:ext>
             </a:extLst>
           </p:cNvPr>
@@ -7028,67 +7423,24 @@
         </p:nvSpPr>
         <p:spPr>
           <a:xfrm>
-            <a:off x="685801" y="1940787"/>
-            <a:ext cx="10449837" cy="4510117"/>
+            <a:off x="685801" y="2254800"/>
+            <a:ext cx="10449837" cy="3993599"/>
           </a:xfrm>
         </p:spPr>
         <p:txBody>
-          <a:bodyPr/>
-          <a:lstStyle/>
-          <a:p>
-            <a:r>
-              <a:rPr lang="en-US" dirty="0"/>
-              <a:t>Hydroelectric energy off-put required to maintain and run these mass crypto mining warehouses is greatly affecting how much energy is therefore needed to heatsink their output </a:t>
-            </a:r>
-          </a:p>
-          <a:p>
-            <a:pPr lvl="1"/>
-            <a:r>
-              <a:rPr lang="en-US" dirty="0"/>
-              <a:t>Affect on surrounding temperatures? </a:t>
-            </a:r>
-          </a:p>
+          <a:bodyPr>
+            <a:normAutofit/>
+          </a:bodyPr>
+          <a:lstStyle/>
           <a:p>
             <a:endParaRPr lang="en-US" dirty="0"/>
-          </a:p>
-          <a:p>
-            <a:endParaRPr lang="en-US" dirty="0"/>
-          </a:p>
-          <a:p>
-            <a:endParaRPr lang="en-US" dirty="0"/>
-          </a:p>
-          <a:p>
-            <a:r>
-              <a:rPr lang="en-US" dirty="0"/>
-              <a:t>NVIDIA Stock Compared to Bitcoin Price:</a:t>
-            </a:r>
-          </a:p>
-          <a:p>
-            <a:pPr lvl="1"/>
-            <a:r>
-              <a:rPr lang="en-US" dirty="0"/>
-              <a:t>Strong positive correlation between the NVIDIA stock and Bitcoin cryptocurrency price over time</a:t>
-            </a:r>
-          </a:p>
-          <a:p>
-            <a:r>
-              <a:rPr lang="en-US" dirty="0"/>
-              <a:t>Gas Compared to Bitcoin Price:</a:t>
-            </a:r>
-          </a:p>
-          <a:p>
-            <a:pPr lvl="1"/>
-            <a:r>
-              <a:rPr lang="en-US" dirty="0"/>
-              <a:t>Moderately positive correlation between the NVIDIA stock and Bitcoin cryptocurrency price over time</a:t>
-            </a:r>
           </a:p>
         </p:txBody>
       </p:sp>
     </p:spTree>
     <p:extLst>
       <p:ext uri="{BB962C8B-B14F-4D97-AF65-F5344CB8AC3E}">
-        <p14:creationId xmlns:p14="http://schemas.microsoft.com/office/powerpoint/2010/main" val="266635141"/>
+        <p14:creationId xmlns:p14="http://schemas.microsoft.com/office/powerpoint/2010/main" val="106537343"/>
       </p:ext>
     </p:extLst>
   </p:cSld>
@@ -7120,7 +7472,7 @@
           <p:cNvPr id="2" name="Title 1">
             <a:extLst>
               <a:ext uri="{FF2B5EF4-FFF2-40B4-BE49-F238E27FC236}">
-                <a16:creationId xmlns:a16="http://schemas.microsoft.com/office/drawing/2014/main" id="{24E4D3CF-1E13-524F-9574-0C07E6347BE6}"/>
+                <a16:creationId xmlns:a16="http://schemas.microsoft.com/office/drawing/2014/main" id="{336CD33D-14DA-6044-AA72-F4D991E722A0}"/>
               </a:ext>
             </a:extLst>
           </p:cNvPr>
@@ -7133,276 +7485,97 @@
         </p:nvSpPr>
         <p:spPr/>
         <p:txBody>
-          <a:bodyPr/>
+          <a:bodyPr>
+            <a:normAutofit/>
+          </a:bodyPr>
           <a:lstStyle/>
           <a:p>
             <a:r>
               <a:rPr lang="en-US" u="sng" dirty="0"/>
-              <a:t>Resources</a:t>
-            </a:r>
-          </a:p>
-        </p:txBody>
-      </p:sp>
-      <p:sp>
-        <p:nvSpPr>
-          <p:cNvPr id="4" name="Google Shape;4177;p247">
+              <a:t>The implications of our findings: What do our findings mean?</a:t>
+            </a:r>
+          </a:p>
+        </p:txBody>
+      </p:sp>
+      <p:sp>
+        <p:nvSpPr>
+          <p:cNvPr id="3" name="Content Placeholder 2">
             <a:extLst>
               <a:ext uri="{FF2B5EF4-FFF2-40B4-BE49-F238E27FC236}">
-                <a16:creationId xmlns:a16="http://schemas.microsoft.com/office/drawing/2014/main" id="{5DF45426-69BF-E34C-BC75-B67CBD63DCD3}"/>
+                <a16:creationId xmlns:a16="http://schemas.microsoft.com/office/drawing/2014/main" id="{B3DB14F1-AF80-8D4A-81A7-E132EE8D39B5}"/>
               </a:ext>
             </a:extLst>
           </p:cNvPr>
-          <p:cNvSpPr txBox="1">
-            <a:spLocks/>
-          </p:cNvSpPr>
-          <p:nvPr/>
+          <p:cNvSpPr>
+            <a:spLocks noGrp="1"/>
+          </p:cNvSpPr>
+          <p:nvPr>
+            <p:ph idx="1"/>
+          </p:nvPr>
         </p:nvSpPr>
         <p:spPr>
           <a:xfrm>
-            <a:off x="0" y="1761066"/>
-            <a:ext cx="11924778" cy="3031067"/>
+            <a:off x="685801" y="1940787"/>
+            <a:ext cx="10449837" cy="4510117"/>
           </a:xfrm>
-          <a:prstGeom prst="rect">
-            <a:avLst/>
-          </a:prstGeom>
         </p:spPr>
         <p:txBody>
-          <a:bodyPr spcFirstLastPara="1" vert="horz" wrap="square" lIns="1767833" tIns="0" rIns="609600" bIns="0" rtlCol="0" anchor="ctr" anchorCtr="0">
-            <a:noAutofit/>
-          </a:bodyPr>
-          <a:lstStyle>
-            <a:lvl1pPr marL="228600" indent="-228600" algn="l" defTabSz="914400" rtl="0" eaLnBrk="1" latinLnBrk="0" hangingPunct="1">
-              <a:lnSpc>
-                <a:spcPct val="90000"/>
-              </a:lnSpc>
-              <a:spcBef>
-                <a:spcPts val="1000"/>
-              </a:spcBef>
-              <a:buFont typeface="Arial" panose="020B0604020202020204" pitchFamily="34" charset="0"/>
-              <a:buChar char="•"/>
-              <a:defRPr sz="2800" kern="1200">
-                <a:solidFill>
-                  <a:schemeClr val="tx1"/>
-                </a:solidFill>
-                <a:latin typeface="+mn-lt"/>
-                <a:ea typeface="+mn-ea"/>
-                <a:cs typeface="+mn-cs"/>
-              </a:defRPr>
-            </a:lvl1pPr>
-            <a:lvl2pPr marL="685800" indent="-228600" algn="l" defTabSz="914400" rtl="0" eaLnBrk="1" latinLnBrk="0" hangingPunct="1">
-              <a:lnSpc>
-                <a:spcPct val="90000"/>
-              </a:lnSpc>
-              <a:spcBef>
-                <a:spcPts val="500"/>
-              </a:spcBef>
-              <a:buFont typeface="Arial" panose="020B0604020202020204" pitchFamily="34" charset="0"/>
-              <a:buChar char="•"/>
-              <a:defRPr sz="2400" kern="1200">
-                <a:solidFill>
-                  <a:schemeClr val="tx1"/>
-                </a:solidFill>
-                <a:latin typeface="+mn-lt"/>
-                <a:ea typeface="+mn-ea"/>
-                <a:cs typeface="+mn-cs"/>
-              </a:defRPr>
-            </a:lvl2pPr>
-            <a:lvl3pPr marL="1143000" indent="-228600" algn="l" defTabSz="914400" rtl="0" eaLnBrk="1" latinLnBrk="0" hangingPunct="1">
-              <a:lnSpc>
-                <a:spcPct val="90000"/>
-              </a:lnSpc>
-              <a:spcBef>
-                <a:spcPts val="500"/>
-              </a:spcBef>
-              <a:buFont typeface="Arial" panose="020B0604020202020204" pitchFamily="34" charset="0"/>
-              <a:buChar char="•"/>
-              <a:defRPr sz="2000" kern="1200">
-                <a:solidFill>
-                  <a:schemeClr val="tx1"/>
-                </a:solidFill>
-                <a:latin typeface="+mn-lt"/>
-                <a:ea typeface="+mn-ea"/>
-                <a:cs typeface="+mn-cs"/>
-              </a:defRPr>
-            </a:lvl3pPr>
-            <a:lvl4pPr marL="1600200" indent="-228600" algn="l" defTabSz="914400" rtl="0" eaLnBrk="1" latinLnBrk="0" hangingPunct="1">
-              <a:lnSpc>
-                <a:spcPct val="90000"/>
-              </a:lnSpc>
-              <a:spcBef>
-                <a:spcPts val="500"/>
-              </a:spcBef>
-              <a:buFont typeface="Arial" panose="020B0604020202020204" pitchFamily="34" charset="0"/>
-              <a:buChar char="•"/>
-              <a:defRPr sz="1800" kern="1200">
-                <a:solidFill>
-                  <a:schemeClr val="tx1"/>
-                </a:solidFill>
-                <a:latin typeface="+mn-lt"/>
-                <a:ea typeface="+mn-ea"/>
-                <a:cs typeface="+mn-cs"/>
-              </a:defRPr>
-            </a:lvl4pPr>
-            <a:lvl5pPr marL="2057400" indent="-228600" algn="l" defTabSz="914400" rtl="0" eaLnBrk="1" latinLnBrk="0" hangingPunct="1">
-              <a:lnSpc>
-                <a:spcPct val="90000"/>
-              </a:lnSpc>
-              <a:spcBef>
-                <a:spcPts val="500"/>
-              </a:spcBef>
-              <a:buFont typeface="Arial" panose="020B0604020202020204" pitchFamily="34" charset="0"/>
-              <a:buChar char="•"/>
-              <a:defRPr sz="1800" kern="1200">
-                <a:solidFill>
-                  <a:schemeClr val="tx1"/>
-                </a:solidFill>
-                <a:latin typeface="+mn-lt"/>
-                <a:ea typeface="+mn-ea"/>
-                <a:cs typeface="+mn-cs"/>
-              </a:defRPr>
-            </a:lvl5pPr>
-            <a:lvl6pPr marL="2514600" indent="-228600" algn="l" defTabSz="914400" rtl="0" eaLnBrk="1" latinLnBrk="0" hangingPunct="1">
-              <a:lnSpc>
-                <a:spcPct val="90000"/>
-              </a:lnSpc>
-              <a:spcBef>
-                <a:spcPts val="500"/>
-              </a:spcBef>
-              <a:buFont typeface="Arial" panose="020B0604020202020204" pitchFamily="34" charset="0"/>
-              <a:buChar char="•"/>
-              <a:defRPr sz="1800" kern="1200">
-                <a:solidFill>
-                  <a:schemeClr val="tx1"/>
-                </a:solidFill>
-                <a:latin typeface="+mn-lt"/>
-                <a:ea typeface="+mn-ea"/>
-                <a:cs typeface="+mn-cs"/>
-              </a:defRPr>
-            </a:lvl6pPr>
-            <a:lvl7pPr marL="2971800" indent="-228600" algn="l" defTabSz="914400" rtl="0" eaLnBrk="1" latinLnBrk="0" hangingPunct="1">
-              <a:lnSpc>
-                <a:spcPct val="90000"/>
-              </a:lnSpc>
-              <a:spcBef>
-                <a:spcPts val="500"/>
-              </a:spcBef>
-              <a:buFont typeface="Arial" panose="020B0604020202020204" pitchFamily="34" charset="0"/>
-              <a:buChar char="•"/>
-              <a:defRPr sz="1800" kern="1200">
-                <a:solidFill>
-                  <a:schemeClr val="tx1"/>
-                </a:solidFill>
-                <a:latin typeface="+mn-lt"/>
-                <a:ea typeface="+mn-ea"/>
-                <a:cs typeface="+mn-cs"/>
-              </a:defRPr>
-            </a:lvl7pPr>
-            <a:lvl8pPr marL="3429000" indent="-228600" algn="l" defTabSz="914400" rtl="0" eaLnBrk="1" latinLnBrk="0" hangingPunct="1">
-              <a:lnSpc>
-                <a:spcPct val="90000"/>
-              </a:lnSpc>
-              <a:spcBef>
-                <a:spcPts val="500"/>
-              </a:spcBef>
-              <a:buFont typeface="Arial" panose="020B0604020202020204" pitchFamily="34" charset="0"/>
-              <a:buChar char="•"/>
-              <a:defRPr sz="1800" kern="1200">
-                <a:solidFill>
-                  <a:schemeClr val="tx1"/>
-                </a:solidFill>
-                <a:latin typeface="+mn-lt"/>
-                <a:ea typeface="+mn-ea"/>
-                <a:cs typeface="+mn-cs"/>
-              </a:defRPr>
-            </a:lvl8pPr>
-            <a:lvl9pPr marL="3886200" indent="-228600" algn="l" defTabSz="914400" rtl="0" eaLnBrk="1" latinLnBrk="0" hangingPunct="1">
-              <a:lnSpc>
-                <a:spcPct val="90000"/>
-              </a:lnSpc>
-              <a:spcBef>
-                <a:spcPts val="500"/>
-              </a:spcBef>
-              <a:buFont typeface="Arial" panose="020B0604020202020204" pitchFamily="34" charset="0"/>
-              <a:buChar char="•"/>
-              <a:defRPr sz="1800" kern="1200">
-                <a:solidFill>
-                  <a:schemeClr val="tx1"/>
-                </a:solidFill>
-                <a:latin typeface="+mn-lt"/>
-                <a:ea typeface="+mn-ea"/>
-                <a:cs typeface="+mn-cs"/>
-              </a:defRPr>
-            </a:lvl9pPr>
-          </a:lstStyle>
-          <a:p>
-            <a:pPr marL="0" indent="0">
-              <a:lnSpc>
-                <a:spcPct val="100000"/>
-              </a:lnSpc>
-              <a:spcAft>
-                <a:spcPts val="2133"/>
-              </a:spcAft>
-            </a:pPr>
+          <a:bodyPr/>
+          <a:lstStyle/>
+          <a:p>
             <a:r>
               <a:rPr lang="en-US" dirty="0"/>
-              <a:t> </a:t>
-            </a:r>
-            <a:r>
-              <a:rPr lang="en-US" u="sng" dirty="0"/>
-              <a:t>Kaggle</a:t>
-            </a:r>
+              <a:t>Hydroelectric energy off-put required to maintain and run these mass crypto mining warehouses is greatly affecting how much energy is therefore needed to heatsink their output </a:t>
+            </a:r>
+          </a:p>
+          <a:p>
+            <a:pPr lvl="1"/>
             <a:r>
               <a:rPr lang="en-US" dirty="0"/>
-              <a:t> - </a:t>
-            </a:r>
-            <a:r>
-              <a:rPr lang="en-US" dirty="0">
-                <a:hlinkClick r:id="rId2"/>
-              </a:rPr>
-              <a:t>https://www.kaggle.com/</a:t>
-            </a:r>
+              <a:t>Affect on surrounding temperatures? </a:t>
+            </a:r>
+          </a:p>
+          <a:p>
             <a:endParaRPr lang="en-US" dirty="0"/>
           </a:p>
           <a:p>
-            <a:pPr marL="457200" lvl="1" indent="0">
-              <a:lnSpc>
-                <a:spcPct val="100000"/>
-              </a:lnSpc>
-              <a:spcAft>
-                <a:spcPts val="2133"/>
-              </a:spcAft>
-            </a:pPr>
-            <a:r>
-              <a:rPr lang="en-US" u="sng" dirty="0">
-                <a:hlinkClick r:id="rId3"/>
-              </a:rPr>
-              <a:t>https://www.kaggle.com/odins0n/top-50-cryptocurrency-historical-prices</a:t>
-            </a:r>
             <a:endParaRPr lang="en-US" dirty="0"/>
           </a:p>
           <a:p>
-            <a:pPr marL="457200" lvl="1" indent="0">
-              <a:lnSpc>
-                <a:spcPct val="100000"/>
-              </a:lnSpc>
-              <a:spcAft>
-                <a:spcPts val="2133"/>
-              </a:spcAft>
-            </a:pPr>
-            <a:r>
-              <a:rPr lang="en-US" u="sng" dirty="0">
-                <a:hlinkClick r:id="rId4"/>
-              </a:rPr>
-              <a:t>https://www.kaggle.com/kaushiksuresh147/bitcoin-tweets</a:t>
-            </a:r>
             <a:endParaRPr lang="en-US" dirty="0"/>
+          </a:p>
+          <a:p>
+            <a:r>
+              <a:rPr lang="en-US" dirty="0"/>
+              <a:t>NVIDIA Stock Compared to Bitcoin Price:</a:t>
+            </a:r>
+          </a:p>
+          <a:p>
+            <a:pPr lvl="1"/>
+            <a:r>
+              <a:rPr lang="en-US" dirty="0"/>
+              <a:t>Strong positive correlation between the NVIDIA stock and Bitcoin cryptocurrency price over time</a:t>
+            </a:r>
+          </a:p>
+          <a:p>
+            <a:r>
+              <a:rPr lang="en-US" dirty="0"/>
+              <a:t>Gas Compared to Bitcoin Price:</a:t>
+            </a:r>
+          </a:p>
+          <a:p>
+            <a:pPr lvl="1"/>
+            <a:r>
+              <a:rPr lang="en-US" dirty="0"/>
+              <a:t>Moderately positive correlation between the NVIDIA stock and Bitcoin cryptocurrency price over time</a:t>
+            </a:r>
           </a:p>
         </p:txBody>
       </p:sp>
     </p:spTree>
     <p:extLst>
       <p:ext uri="{BB962C8B-B14F-4D97-AF65-F5344CB8AC3E}">
-        <p14:creationId xmlns:p14="http://schemas.microsoft.com/office/powerpoint/2010/main" val="119837205"/>
+        <p14:creationId xmlns:p14="http://schemas.microsoft.com/office/powerpoint/2010/main" val="266635141"/>
       </p:ext>
     </p:extLst>
   </p:cSld>
